--- a/defense/defense_slides.pptx
+++ b/defense/defense_slides.pptx
@@ -5,54 +5,55 @@
     <p:sldMasterId id="2147484447" r:id="rId1"/>
   </p:sldMasterIdLst>
   <p:notesMasterIdLst>
-    <p:notesMasterId r:id="rId47"/>
+    <p:notesMasterId r:id="rId48"/>
   </p:notesMasterIdLst>
   <p:sldIdLst>
     <p:sldId id="256" r:id="rId2"/>
     <p:sldId id="304" r:id="rId3"/>
     <p:sldId id="257" r:id="rId4"/>
-    <p:sldId id="270" r:id="rId5"/>
-    <p:sldId id="301" r:id="rId6"/>
-    <p:sldId id="271" r:id="rId7"/>
-    <p:sldId id="272" r:id="rId8"/>
-    <p:sldId id="258" r:id="rId9"/>
-    <p:sldId id="259" r:id="rId10"/>
-    <p:sldId id="260" r:id="rId11"/>
-    <p:sldId id="261" r:id="rId12"/>
-    <p:sldId id="262" r:id="rId13"/>
-    <p:sldId id="292" r:id="rId14"/>
-    <p:sldId id="290" r:id="rId15"/>
-    <p:sldId id="291" r:id="rId16"/>
-    <p:sldId id="264" r:id="rId17"/>
-    <p:sldId id="265" r:id="rId18"/>
-    <p:sldId id="266" r:id="rId19"/>
-    <p:sldId id="267" r:id="rId20"/>
-    <p:sldId id="268" r:id="rId21"/>
-    <p:sldId id="282" r:id="rId22"/>
-    <p:sldId id="283" r:id="rId23"/>
-    <p:sldId id="287" r:id="rId24"/>
-    <p:sldId id="286" r:id="rId25"/>
-    <p:sldId id="294" r:id="rId26"/>
-    <p:sldId id="293" r:id="rId27"/>
-    <p:sldId id="295" r:id="rId28"/>
-    <p:sldId id="296" r:id="rId29"/>
-    <p:sldId id="297" r:id="rId30"/>
-    <p:sldId id="298" r:id="rId31"/>
-    <p:sldId id="299" r:id="rId32"/>
-    <p:sldId id="300" r:id="rId33"/>
-    <p:sldId id="284" r:id="rId34"/>
-    <p:sldId id="285" r:id="rId35"/>
-    <p:sldId id="273" r:id="rId36"/>
-    <p:sldId id="274" r:id="rId37"/>
-    <p:sldId id="275" r:id="rId38"/>
-    <p:sldId id="276" r:id="rId39"/>
-    <p:sldId id="277" r:id="rId40"/>
-    <p:sldId id="278" r:id="rId41"/>
-    <p:sldId id="281" r:id="rId42"/>
-    <p:sldId id="279" r:id="rId43"/>
-    <p:sldId id="280" r:id="rId44"/>
-    <p:sldId id="303" r:id="rId45"/>
-    <p:sldId id="302" r:id="rId46"/>
+    <p:sldId id="305" r:id="rId5"/>
+    <p:sldId id="270" r:id="rId6"/>
+    <p:sldId id="301" r:id="rId7"/>
+    <p:sldId id="271" r:id="rId8"/>
+    <p:sldId id="272" r:id="rId9"/>
+    <p:sldId id="258" r:id="rId10"/>
+    <p:sldId id="259" r:id="rId11"/>
+    <p:sldId id="260" r:id="rId12"/>
+    <p:sldId id="261" r:id="rId13"/>
+    <p:sldId id="262" r:id="rId14"/>
+    <p:sldId id="292" r:id="rId15"/>
+    <p:sldId id="290" r:id="rId16"/>
+    <p:sldId id="291" r:id="rId17"/>
+    <p:sldId id="264" r:id="rId18"/>
+    <p:sldId id="265" r:id="rId19"/>
+    <p:sldId id="266" r:id="rId20"/>
+    <p:sldId id="267" r:id="rId21"/>
+    <p:sldId id="268" r:id="rId22"/>
+    <p:sldId id="282" r:id="rId23"/>
+    <p:sldId id="283" r:id="rId24"/>
+    <p:sldId id="287" r:id="rId25"/>
+    <p:sldId id="286" r:id="rId26"/>
+    <p:sldId id="294" r:id="rId27"/>
+    <p:sldId id="293" r:id="rId28"/>
+    <p:sldId id="295" r:id="rId29"/>
+    <p:sldId id="296" r:id="rId30"/>
+    <p:sldId id="297" r:id="rId31"/>
+    <p:sldId id="298" r:id="rId32"/>
+    <p:sldId id="299" r:id="rId33"/>
+    <p:sldId id="300" r:id="rId34"/>
+    <p:sldId id="284" r:id="rId35"/>
+    <p:sldId id="285" r:id="rId36"/>
+    <p:sldId id="273" r:id="rId37"/>
+    <p:sldId id="274" r:id="rId38"/>
+    <p:sldId id="275" r:id="rId39"/>
+    <p:sldId id="276" r:id="rId40"/>
+    <p:sldId id="277" r:id="rId41"/>
+    <p:sldId id="278" r:id="rId42"/>
+    <p:sldId id="281" r:id="rId43"/>
+    <p:sldId id="279" r:id="rId44"/>
+    <p:sldId id="280" r:id="rId45"/>
+    <p:sldId id="303" r:id="rId46"/>
+    <p:sldId id="302" r:id="rId47"/>
   </p:sldIdLst>
   <p:sldSz cx="9144000" cy="6858000" type="screen4x3"/>
   <p:notesSz cx="6858000" cy="9144000"/>
@@ -159,6 +160,7 @@
             <p14:sldId id="256"/>
             <p14:sldId id="304"/>
             <p14:sldId id="257"/>
+            <p14:sldId id="305"/>
           </p14:sldIdLst>
         </p14:section>
         <p14:section name="Introduction To GPUs" id="{1782FA82-4CF0-D343-BA30-DBF186603DEA}">
@@ -4035,6 +4037,36 @@
           </a:p>
         </p:txBody>
       </p:sp>
+      <p:pic>
+        <p:nvPicPr>
+          <p:cNvPr id="4" name="Picture 3" descr="FSU_Seal3Dgold_P_CMYK_transparent.pdf"/>
+          <p:cNvPicPr>
+            <a:picLocks noChangeAspect="1"/>
+          </p:cNvPicPr>
+          <p:nvPr/>
+        </p:nvPicPr>
+        <p:blipFill>
+          <a:blip r:embed="rId2">
+            <a:extLst>
+              <a:ext uri="{28A0092B-C50C-407E-A947-70E740481C1C}">
+                <a14:useLocalDpi xmlns:a14="http://schemas.microsoft.com/office/drawing/2010/main" val="0"/>
+              </a:ext>
+            </a:extLst>
+          </a:blip>
+          <a:stretch>
+            <a:fillRect/>
+          </a:stretch>
+        </p:blipFill>
+        <p:spPr>
+          <a:xfrm>
+            <a:off x="624056" y="4886601"/>
+            <a:ext cx="1495088" cy="1495088"/>
+          </a:xfrm>
+          <a:prstGeom prst="rect">
+            <a:avLst/>
+          </a:prstGeom>
+        </p:spPr>
+      </p:pic>
     </p:spTree>
     <p:extLst>
       <p:ext uri="{BB962C8B-B14F-4D97-AF65-F5344CB8AC3E}">
@@ -4089,7 +4121,7 @@
           <a:p>
             <a:r>
               <a:rPr lang="en-US" dirty="0" smtClean="0"/>
-              <a:t>Related RBF Methods</a:t>
+              <a:t>Why RBFs? </a:t>
             </a:r>
             <a:endParaRPr lang="en-US" dirty="0"/>
           </a:p>
@@ -4117,7 +4149,7 @@
     </p:spTree>
     <p:extLst>
       <p:ext uri="{BB962C8B-B14F-4D97-AF65-F5344CB8AC3E}">
-        <p14:creationId xmlns:p14="http://schemas.microsoft.com/office/powerpoint/2010/main" val="2741102204"/>
+        <p14:creationId xmlns:p14="http://schemas.microsoft.com/office/powerpoint/2010/main" val="340594369"/>
       </p:ext>
     </p:extLst>
   </p:cSld>
@@ -4168,7 +4200,7 @@
           <a:p>
             <a:r>
               <a:rPr lang="en-US" dirty="0" smtClean="0"/>
-              <a:t>RBF-FD</a:t>
+              <a:t>Related RBF Methods</a:t>
             </a:r>
             <a:endParaRPr lang="en-US" dirty="0"/>
           </a:p>
@@ -4196,7 +4228,7 @@
     </p:spTree>
     <p:extLst>
       <p:ext uri="{BB962C8B-B14F-4D97-AF65-F5344CB8AC3E}">
-        <p14:creationId xmlns:p14="http://schemas.microsoft.com/office/powerpoint/2010/main" val="3003633541"/>
+        <p14:creationId xmlns:p14="http://schemas.microsoft.com/office/powerpoint/2010/main" val="2741102204"/>
       </p:ext>
     </p:extLst>
   </p:cSld>
@@ -4247,7 +4279,7 @@
           <a:p>
             <a:r>
               <a:rPr lang="en-US" dirty="0" smtClean="0"/>
-              <a:t>Verification</a:t>
+              <a:t>RBF-FD</a:t>
             </a:r>
             <a:endParaRPr lang="en-US" dirty="0"/>
           </a:p>
@@ -4268,24 +4300,14 @@
           <a:bodyPr/>
           <a:lstStyle/>
           <a:p>
-            <a:r>
-              <a:rPr lang="en-US" dirty="0" smtClean="0"/>
-              <a:t>Hyperbolic form</a:t>
-            </a:r>
-          </a:p>
-          <a:p>
-            <a:r>
-              <a:rPr lang="en-US" dirty="0" err="1" smtClean="0"/>
-              <a:t>Hyperviscosity</a:t>
-            </a:r>
-            <a:endParaRPr lang="en-US" dirty="0"/>
+            <a:endParaRPr lang="en-US"/>
           </a:p>
         </p:txBody>
       </p:sp>
     </p:spTree>
     <p:extLst>
       <p:ext uri="{BB962C8B-B14F-4D97-AF65-F5344CB8AC3E}">
-        <p14:creationId xmlns:p14="http://schemas.microsoft.com/office/powerpoint/2010/main" val="503800094"/>
+        <p14:creationId xmlns:p14="http://schemas.microsoft.com/office/powerpoint/2010/main" val="3003633541"/>
       </p:ext>
     </p:extLst>
   </p:cSld>
@@ -4335,43 +4357,37 @@
           <a:lstStyle/>
           <a:p>
             <a:r>
+              <a:rPr lang="en-US" dirty="0" smtClean="0"/>
+              <a:t>Verification</a:t>
+            </a:r>
+            <a:endParaRPr lang="en-US" dirty="0"/>
+          </a:p>
+        </p:txBody>
+      </p:sp>
+      <p:sp>
+        <p:nvSpPr>
+          <p:cNvPr id="3" name="Content Placeholder 2"/>
+          <p:cNvSpPr>
+            <a:spLocks noGrp="1"/>
+          </p:cNvSpPr>
+          <p:nvPr>
+            <p:ph idx="1"/>
+          </p:nvPr>
+        </p:nvSpPr>
+        <p:spPr/>
+        <p:txBody>
+          <a:bodyPr/>
+          <a:lstStyle/>
+          <a:p>
+            <a:r>
+              <a:rPr lang="en-US" dirty="0" smtClean="0"/>
+              <a:t>Hyperbolic form</a:t>
+            </a:r>
+          </a:p>
+          <a:p>
+            <a:r>
               <a:rPr lang="en-US" dirty="0" err="1" smtClean="0"/>
               <a:t>Hyperviscosity</a:t>
-            </a:r>
-            <a:endParaRPr lang="en-US" dirty="0"/>
-          </a:p>
-        </p:txBody>
-      </p:sp>
-      <p:sp>
-        <p:nvSpPr>
-          <p:cNvPr id="3" name="Content Placeholder 2"/>
-          <p:cNvSpPr>
-            <a:spLocks noGrp="1"/>
-          </p:cNvSpPr>
-          <p:nvPr>
-            <p:ph idx="1"/>
-          </p:nvPr>
-        </p:nvSpPr>
-        <p:spPr/>
-        <p:txBody>
-          <a:bodyPr/>
-          <a:lstStyle/>
-          <a:p>
-            <a:r>
-              <a:rPr lang="en-US" dirty="0" smtClean="0"/>
-              <a:t>Function</a:t>
-            </a:r>
-          </a:p>
-          <a:p>
-            <a:r>
-              <a:rPr lang="en-US" dirty="0" smtClean="0"/>
-              <a:t>Terms</a:t>
-            </a:r>
-          </a:p>
-          <a:p>
-            <a:r>
-              <a:rPr lang="en-US" dirty="0" smtClean="0"/>
-              <a:t>Scaling</a:t>
             </a:r>
             <a:endParaRPr lang="en-US" dirty="0"/>
           </a:p>
@@ -4380,7 +4396,7 @@
     </p:spTree>
     <p:extLst>
       <p:ext uri="{BB962C8B-B14F-4D97-AF65-F5344CB8AC3E}">
-        <p14:creationId xmlns:p14="http://schemas.microsoft.com/office/powerpoint/2010/main" val="621466684"/>
+        <p14:creationId xmlns:p14="http://schemas.microsoft.com/office/powerpoint/2010/main" val="503800094"/>
       </p:ext>
     </p:extLst>
   </p:cSld>
@@ -4430,8 +4446,8 @@
           <a:lstStyle/>
           <a:p>
             <a:r>
-              <a:rPr lang="en-US" dirty="0" smtClean="0"/>
-              <a:t>Cosine Bell</a:t>
+              <a:rPr lang="en-US" dirty="0" err="1" smtClean="0"/>
+              <a:t>Hyperviscosity</a:t>
             </a:r>
             <a:endParaRPr lang="en-US" dirty="0"/>
           </a:p>
@@ -4454,7 +4470,19 @@
           <a:p>
             <a:r>
               <a:rPr lang="en-US" dirty="0" smtClean="0"/>
-              <a:t>Formula, Input, Solution</a:t>
+              <a:t>Function</a:t>
+            </a:r>
+          </a:p>
+          <a:p>
+            <a:r>
+              <a:rPr lang="en-US" dirty="0" smtClean="0"/>
+              <a:t>Terms</a:t>
+            </a:r>
+          </a:p>
+          <a:p>
+            <a:r>
+              <a:rPr lang="en-US" dirty="0" smtClean="0"/>
+              <a:t>Scaling</a:t>
             </a:r>
             <a:endParaRPr lang="en-US" dirty="0"/>
           </a:p>
@@ -4463,7 +4491,7 @@
     </p:spTree>
     <p:extLst>
       <p:ext uri="{BB962C8B-B14F-4D97-AF65-F5344CB8AC3E}">
-        <p14:creationId xmlns:p14="http://schemas.microsoft.com/office/powerpoint/2010/main" val="3659023294"/>
+        <p14:creationId xmlns:p14="http://schemas.microsoft.com/office/powerpoint/2010/main" val="621466684"/>
       </p:ext>
     </p:extLst>
   </p:cSld>
@@ -4514,7 +4542,7 @@
           <a:p>
             <a:r>
               <a:rPr lang="en-US" dirty="0" smtClean="0"/>
-              <a:t>Cosine Bell Convergence</a:t>
+              <a:t>Cosine Bell</a:t>
             </a:r>
             <a:endParaRPr lang="en-US" dirty="0"/>
           </a:p>
@@ -4537,19 +4565,7 @@
           <a:p>
             <a:r>
               <a:rPr lang="en-US" dirty="0" smtClean="0"/>
-              <a:t>(left) HV parameter table</a:t>
-            </a:r>
-          </a:p>
-          <a:p>
-            <a:r>
-              <a:rPr lang="en-US" dirty="0" smtClean="0"/>
-              <a:t>(left bottom) Eigenvalue before and after tiles</a:t>
-            </a:r>
-          </a:p>
-          <a:p>
-            <a:r>
-              <a:rPr lang="en-US" dirty="0" smtClean="0"/>
-              <a:t>(right) Convergence plot</a:t>
+              <a:t>Formula, Input, Solution</a:t>
             </a:r>
             <a:endParaRPr lang="en-US" dirty="0"/>
           </a:p>
@@ -4558,7 +4574,7 @@
     </p:spTree>
     <p:extLst>
       <p:ext uri="{BB962C8B-B14F-4D97-AF65-F5344CB8AC3E}">
-        <p14:creationId xmlns:p14="http://schemas.microsoft.com/office/powerpoint/2010/main" val="2310967939"/>
+        <p14:creationId xmlns:p14="http://schemas.microsoft.com/office/powerpoint/2010/main" val="3659023294"/>
       </p:ext>
     </p:extLst>
   </p:cSld>
@@ -4609,7 +4625,7 @@
           <a:p>
             <a:r>
               <a:rPr lang="en-US" dirty="0" smtClean="0"/>
-              <a:t>Vortex Roll-Up</a:t>
+              <a:t>Cosine Bell Convergence</a:t>
             </a:r>
             <a:endParaRPr lang="en-US" dirty="0"/>
           </a:p>
@@ -4630,14 +4646,30 @@
           <a:bodyPr/>
           <a:lstStyle/>
           <a:p>
-            <a:endParaRPr lang="en-US"/>
+            <a:r>
+              <a:rPr lang="en-US" dirty="0" smtClean="0"/>
+              <a:t>(left) HV parameter table</a:t>
+            </a:r>
+          </a:p>
+          <a:p>
+            <a:r>
+              <a:rPr lang="en-US" dirty="0" smtClean="0"/>
+              <a:t>(left bottom) Eigenvalue before and after tiles</a:t>
+            </a:r>
+          </a:p>
+          <a:p>
+            <a:r>
+              <a:rPr lang="en-US" dirty="0" smtClean="0"/>
+              <a:t>(right) Convergence plot</a:t>
+            </a:r>
+            <a:endParaRPr lang="en-US" dirty="0"/>
           </a:p>
         </p:txBody>
       </p:sp>
     </p:spTree>
     <p:extLst>
       <p:ext uri="{BB962C8B-B14F-4D97-AF65-F5344CB8AC3E}">
-        <p14:creationId xmlns:p14="http://schemas.microsoft.com/office/powerpoint/2010/main" val="4183042973"/>
+        <p14:creationId xmlns:p14="http://schemas.microsoft.com/office/powerpoint/2010/main" val="2310967939"/>
       </p:ext>
     </p:extLst>
   </p:cSld>
@@ -4688,7 +4720,7 @@
           <a:p>
             <a:r>
               <a:rPr lang="en-US" dirty="0" smtClean="0"/>
-              <a:t>Neighbor Query</a:t>
+              <a:t>Vortex Roll-Up</a:t>
             </a:r>
             <a:endParaRPr lang="en-US" dirty="0"/>
           </a:p>
@@ -4709,14 +4741,14 @@
           <a:bodyPr/>
           <a:lstStyle/>
           <a:p>
-            <a:endParaRPr lang="en-US" dirty="0"/>
+            <a:endParaRPr lang="en-US"/>
           </a:p>
         </p:txBody>
       </p:sp>
     </p:spTree>
     <p:extLst>
       <p:ext uri="{BB962C8B-B14F-4D97-AF65-F5344CB8AC3E}">
-        <p14:creationId xmlns:p14="http://schemas.microsoft.com/office/powerpoint/2010/main" val="2102473388"/>
+        <p14:creationId xmlns:p14="http://schemas.microsoft.com/office/powerpoint/2010/main" val="4183042973"/>
       </p:ext>
     </p:extLst>
   </p:cSld>
@@ -4766,12 +4798,8 @@
           <a:lstStyle/>
           <a:p>
             <a:r>
-              <a:rPr lang="en-US" dirty="0" err="1" smtClean="0"/>
-              <a:t>kD</a:t>
-            </a:r>
-            <a:r>
-              <a:rPr lang="en-US" dirty="0" smtClean="0"/>
-              <a:t>-Tree</a:t>
+              <a:rPr lang="en-US" dirty="0" smtClean="0"/>
+              <a:t>Neighbor Query</a:t>
             </a:r>
             <a:endParaRPr lang="en-US" dirty="0"/>
           </a:p>
@@ -4792,14 +4820,14 @@
           <a:bodyPr/>
           <a:lstStyle/>
           <a:p>
-            <a:endParaRPr lang="en-US"/>
+            <a:endParaRPr lang="en-US" dirty="0"/>
           </a:p>
         </p:txBody>
       </p:sp>
     </p:spTree>
     <p:extLst>
       <p:ext uri="{BB962C8B-B14F-4D97-AF65-F5344CB8AC3E}">
-        <p14:creationId xmlns:p14="http://schemas.microsoft.com/office/powerpoint/2010/main" val="3312712"/>
+        <p14:creationId xmlns:p14="http://schemas.microsoft.com/office/powerpoint/2010/main" val="2102473388"/>
       </p:ext>
     </p:extLst>
   </p:cSld>
@@ -4849,8 +4877,12 @@
           <a:lstStyle/>
           <a:p>
             <a:r>
-              <a:rPr lang="en-US" dirty="0" smtClean="0"/>
-              <a:t>Fixed Grid</a:t>
+              <a:rPr lang="en-US" dirty="0" err="1" smtClean="0"/>
+              <a:t>kD</a:t>
+            </a:r>
+            <a:r>
+              <a:rPr lang="en-US" dirty="0" smtClean="0"/>
+              <a:t>-Tree</a:t>
             </a:r>
             <a:endParaRPr lang="en-US" dirty="0"/>
           </a:p>
@@ -4878,7 +4910,7 @@
     </p:spTree>
     <p:extLst>
       <p:ext uri="{BB962C8B-B14F-4D97-AF65-F5344CB8AC3E}">
-        <p14:creationId xmlns:p14="http://schemas.microsoft.com/office/powerpoint/2010/main" val="3029316823"/>
+        <p14:creationId xmlns:p14="http://schemas.microsoft.com/office/powerpoint/2010/main" val="3312712"/>
       </p:ext>
     </p:extLst>
   </p:cSld>
@@ -5013,7 +5045,7 @@
           <a:p>
             <a:r>
               <a:rPr lang="en-US" dirty="0" smtClean="0"/>
-              <a:t>Fixed Grid Improvements</a:t>
+              <a:t>Fixed Grid</a:t>
             </a:r>
             <a:endParaRPr lang="en-US" dirty="0"/>
           </a:p>
@@ -5041,7 +5073,7 @@
     </p:spTree>
     <p:extLst>
       <p:ext uri="{BB962C8B-B14F-4D97-AF65-F5344CB8AC3E}">
-        <p14:creationId xmlns:p14="http://schemas.microsoft.com/office/powerpoint/2010/main" val="516513527"/>
+        <p14:creationId xmlns:p14="http://schemas.microsoft.com/office/powerpoint/2010/main" val="3029316823"/>
       </p:ext>
     </p:extLst>
   </p:cSld>
@@ -5092,7 +5124,7 @@
           <a:p>
             <a:r>
               <a:rPr lang="en-US" dirty="0" smtClean="0"/>
-              <a:t>Why use the GPU?</a:t>
+              <a:t>Fixed Grid Improvements</a:t>
             </a:r>
             <a:endParaRPr lang="en-US" dirty="0"/>
           </a:p>
@@ -5113,50 +5145,14 @@
           <a:bodyPr/>
           <a:lstStyle/>
           <a:p>
-            <a:r>
-              <a:rPr lang="en-US" dirty="0" smtClean="0">
-                <a:solidFill>
-                  <a:srgbClr val="FF0000"/>
-                </a:solidFill>
-              </a:rPr>
-              <a:t>Performance success stories from </a:t>
-            </a:r>
-            <a:r>
-              <a:rPr lang="en-US" dirty="0" err="1" smtClean="0">
-                <a:solidFill>
-                  <a:srgbClr val="FF0000"/>
-                </a:solidFill>
-              </a:rPr>
-              <a:t>Kepler</a:t>
-            </a:r>
-            <a:r>
-              <a:rPr lang="en-US" dirty="0" smtClean="0">
-                <a:solidFill>
-                  <a:srgbClr val="FF0000"/>
-                </a:solidFill>
-              </a:rPr>
-              <a:t>/Fermi</a:t>
-            </a:r>
-          </a:p>
-          <a:p>
-            <a:r>
-              <a:rPr lang="en-US" dirty="0" smtClean="0">
-                <a:solidFill>
-                  <a:srgbClr val="FF0000"/>
-                </a:solidFill>
-              </a:rPr>
-              <a:t>High TFLOP/sec count</a:t>
-            </a:r>
-          </a:p>
-          <a:p>
-            <a:endParaRPr lang="en-US" dirty="0"/>
+            <a:endParaRPr lang="en-US"/>
           </a:p>
         </p:txBody>
       </p:sp>
     </p:spTree>
     <p:extLst>
       <p:ext uri="{BB962C8B-B14F-4D97-AF65-F5344CB8AC3E}">
-        <p14:creationId xmlns:p14="http://schemas.microsoft.com/office/powerpoint/2010/main" val="4191086406"/>
+        <p14:creationId xmlns:p14="http://schemas.microsoft.com/office/powerpoint/2010/main" val="516513527"/>
       </p:ext>
     </p:extLst>
   </p:cSld>
@@ -5206,8 +5202,8 @@
           <a:lstStyle/>
           <a:p>
             <a:r>
-              <a:rPr lang="en-US" dirty="0" err="1" smtClean="0"/>
-              <a:t>OpenCL</a:t>
+              <a:rPr lang="en-US" dirty="0" smtClean="0"/>
+              <a:t>Why use the GPU?</a:t>
             </a:r>
             <a:endParaRPr lang="en-US" dirty="0"/>
           </a:p>
@@ -5229,52 +5225,49 @@
           <a:lstStyle/>
           <a:p>
             <a:r>
-              <a:rPr lang="en-US" dirty="0" smtClean="0"/>
-              <a:t>Comparison to CUDA</a:t>
-            </a:r>
-          </a:p>
-          <a:p>
-            <a:r>
-              <a:rPr lang="en-US" dirty="0" smtClean="0"/>
-              <a:t>Functional Portability</a:t>
-            </a:r>
-          </a:p>
-          <a:p>
-            <a:r>
-              <a:rPr lang="en-US" dirty="0" smtClean="0"/>
-              <a:t>Work items, work-groups, </a:t>
-            </a:r>
-            <a:r>
-              <a:rPr lang="en-US" dirty="0" err="1" smtClean="0"/>
-              <a:t>NDRange</a:t>
-            </a:r>
-            <a:r>
-              <a:rPr lang="en-US" dirty="0" smtClean="0"/>
-              <a:t> (</a:t>
-            </a:r>
-            <a:r>
-              <a:rPr lang="en-US" dirty="0" err="1" smtClean="0"/>
-              <a:t>NVIdia</a:t>
-            </a:r>
-            <a:r>
-              <a:rPr lang="en-US" dirty="0" smtClean="0"/>
-              <a:t> </a:t>
-            </a:r>
-            <a:r>
-              <a:rPr lang="en-US" dirty="0" err="1" smtClean="0"/>
-              <a:t>OpenCL</a:t>
-            </a:r>
-            <a:r>
-              <a:rPr lang="en-US" dirty="0" smtClean="0"/>
-              <a:t> manual)</a:t>
-            </a:r>
+              <a:rPr lang="en-US" dirty="0" smtClean="0">
+                <a:solidFill>
+                  <a:srgbClr val="FF0000"/>
+                </a:solidFill>
+              </a:rPr>
+              <a:t>Performance success stories from </a:t>
+            </a:r>
+            <a:r>
+              <a:rPr lang="en-US" dirty="0" err="1" smtClean="0">
+                <a:solidFill>
+                  <a:srgbClr val="FF0000"/>
+                </a:solidFill>
+              </a:rPr>
+              <a:t>Kepler</a:t>
+            </a:r>
+            <a:r>
+              <a:rPr lang="en-US" dirty="0" smtClean="0">
+                <a:solidFill>
+                  <a:srgbClr val="FF0000"/>
+                </a:solidFill>
+              </a:rPr>
+              <a:t>/Fermi</a:t>
+            </a:r>
+          </a:p>
+          <a:p>
+            <a:r>
+              <a:rPr lang="en-US" dirty="0" smtClean="0">
+                <a:solidFill>
+                  <a:srgbClr val="FF0000"/>
+                </a:solidFill>
+              </a:rPr>
+              <a:t>High TFLOP/sec count</a:t>
+            </a:r>
+          </a:p>
+          <a:p>
+            <a:endParaRPr lang="en-US" dirty="0"/>
           </a:p>
         </p:txBody>
       </p:sp>
     </p:spTree>
     <p:extLst>
       <p:ext uri="{BB962C8B-B14F-4D97-AF65-F5344CB8AC3E}">
-        <p14:creationId xmlns:p14="http://schemas.microsoft.com/office/powerpoint/2010/main" val="4226617114"/>
+        <p14:creationId xmlns:p14="http://schemas.microsoft.com/office/powerpoint/2010/main" val="4191086406"/>
       </p:ext>
     </p:extLst>
   </p:cSld>
@@ -5327,49 +5320,72 @@
               <a:rPr lang="en-US" dirty="0" err="1" smtClean="0"/>
               <a:t>OpenCL</a:t>
             </a:r>
+            <a:endParaRPr lang="en-US" dirty="0"/>
+          </a:p>
+        </p:txBody>
+      </p:sp>
+      <p:sp>
+        <p:nvSpPr>
+          <p:cNvPr id="3" name="Content Placeholder 2"/>
+          <p:cNvSpPr>
+            <a:spLocks noGrp="1"/>
+          </p:cNvSpPr>
+          <p:nvPr>
+            <p:ph idx="1"/>
+          </p:nvPr>
+        </p:nvSpPr>
+        <p:spPr/>
+        <p:txBody>
+          <a:bodyPr/>
+          <a:lstStyle/>
+          <a:p>
+            <a:r>
+              <a:rPr lang="en-US" dirty="0" smtClean="0"/>
+              <a:t>Comparison to CUDA</a:t>
+            </a:r>
+          </a:p>
+          <a:p>
+            <a:r>
+              <a:rPr lang="en-US" dirty="0" smtClean="0"/>
+              <a:t>Functional Portability</a:t>
+            </a:r>
+          </a:p>
+          <a:p>
+            <a:r>
+              <a:rPr lang="en-US" dirty="0" smtClean="0"/>
+              <a:t>Work items, work-groups, </a:t>
+            </a:r>
+            <a:r>
+              <a:rPr lang="en-US" dirty="0" err="1" smtClean="0"/>
+              <a:t>NDRange</a:t>
+            </a:r>
+            <a:r>
+              <a:rPr lang="en-US" dirty="0" smtClean="0"/>
+              <a:t> (</a:t>
+            </a:r>
+            <a:r>
+              <a:rPr lang="en-US" dirty="0" err="1" smtClean="0"/>
+              <a:t>NVIdia</a:t>
+            </a:r>
             <a:r>
               <a:rPr lang="en-US" dirty="0" smtClean="0"/>
               <a:t> </a:t>
             </a:r>
             <a:r>
               <a:rPr lang="en-US" dirty="0" err="1" smtClean="0"/>
-              <a:t>vs</a:t>
-            </a:r>
-            <a:r>
-              <a:rPr lang="en-US" dirty="0" smtClean="0"/>
-              <a:t> CUDA</a:t>
-            </a:r>
-            <a:endParaRPr lang="en-US" dirty="0"/>
-          </a:p>
-        </p:txBody>
-      </p:sp>
-      <p:sp>
-        <p:nvSpPr>
-          <p:cNvPr id="3" name="Content Placeholder 2"/>
-          <p:cNvSpPr>
-            <a:spLocks noGrp="1"/>
-          </p:cNvSpPr>
-          <p:nvPr>
-            <p:ph idx="1"/>
-          </p:nvPr>
-        </p:nvSpPr>
-        <p:spPr/>
-        <p:txBody>
-          <a:bodyPr/>
-          <a:lstStyle/>
-          <a:p>
-            <a:r>
-              <a:rPr lang="en-US" dirty="0" smtClean="0"/>
-              <a:t>Diagram from Prospectus comparing hardware levels</a:t>
-            </a:r>
-            <a:endParaRPr lang="en-US" dirty="0"/>
+              <a:t>OpenCL</a:t>
+            </a:r>
+            <a:r>
+              <a:rPr lang="en-US" dirty="0" smtClean="0"/>
+              <a:t> manual)</a:t>
+            </a:r>
           </a:p>
         </p:txBody>
       </p:sp>
     </p:spTree>
     <p:extLst>
       <p:ext uri="{BB962C8B-B14F-4D97-AF65-F5344CB8AC3E}">
-        <p14:creationId xmlns:p14="http://schemas.microsoft.com/office/powerpoint/2010/main" val="4218434659"/>
+        <p14:creationId xmlns:p14="http://schemas.microsoft.com/office/powerpoint/2010/main" val="4226617114"/>
       </p:ext>
     </p:extLst>
   </p:cSld>
@@ -5419,8 +5435,20 @@
           <a:lstStyle/>
           <a:p>
             <a:r>
-              <a:rPr lang="en-US" dirty="0" smtClean="0"/>
-              <a:t>Custom Kernels</a:t>
+              <a:rPr lang="en-US" dirty="0" err="1" smtClean="0"/>
+              <a:t>OpenCL</a:t>
+            </a:r>
+            <a:r>
+              <a:rPr lang="en-US" dirty="0" smtClean="0"/>
+              <a:t> </a:t>
+            </a:r>
+            <a:r>
+              <a:rPr lang="en-US" dirty="0" err="1" smtClean="0"/>
+              <a:t>vs</a:t>
+            </a:r>
+            <a:r>
+              <a:rPr lang="en-US" dirty="0" smtClean="0"/>
+              <a:t> CUDA</a:t>
             </a:r>
             <a:endParaRPr lang="en-US" dirty="0"/>
           </a:p>
@@ -5443,25 +5471,7 @@
           <a:p>
             <a:r>
               <a:rPr lang="en-US" dirty="0" smtClean="0"/>
-              <a:t>RK4 design</a:t>
-            </a:r>
-          </a:p>
-          <a:p>
-            <a:pPr lvl="1"/>
-            <a:r>
-              <a:rPr lang="en-US" dirty="0" err="1" smtClean="0"/>
-              <a:t>Eval</a:t>
-            </a:r>
-            <a:r>
-              <a:rPr lang="en-US" dirty="0" smtClean="0"/>
-              <a:t> + Advance</a:t>
-            </a:r>
-          </a:p>
-          <a:p>
-            <a:pPr lvl="1"/>
-            <a:r>
-              <a:rPr lang="en-US" dirty="0" smtClean="0"/>
-              <a:t>Input to each kernel</a:t>
+              <a:t>Diagram from Prospectus comparing hardware levels</a:t>
             </a:r>
             <a:endParaRPr lang="en-US" dirty="0"/>
           </a:p>
@@ -5470,7 +5480,7 @@
     </p:spTree>
     <p:extLst>
       <p:ext uri="{BB962C8B-B14F-4D97-AF65-F5344CB8AC3E}">
-        <p14:creationId xmlns:p14="http://schemas.microsoft.com/office/powerpoint/2010/main" val="1006359212"/>
+        <p14:creationId xmlns:p14="http://schemas.microsoft.com/office/powerpoint/2010/main" val="4218434659"/>
       </p:ext>
     </p:extLst>
   </p:cSld>
@@ -5521,35 +5531,49 @@
           <a:p>
             <a:r>
               <a:rPr lang="en-US" dirty="0" smtClean="0"/>
-              <a:t>Vortex Performance (</a:t>
-            </a:r>
+              <a:t>Custom Kernels</a:t>
+            </a:r>
+            <a:endParaRPr lang="en-US" dirty="0"/>
+          </a:p>
+        </p:txBody>
+      </p:sp>
+      <p:sp>
+        <p:nvSpPr>
+          <p:cNvPr id="3" name="Content Placeholder 2"/>
+          <p:cNvSpPr>
+            <a:spLocks noGrp="1"/>
+          </p:cNvSpPr>
+          <p:nvPr>
+            <p:ph idx="1"/>
+          </p:nvPr>
+        </p:nvSpPr>
+        <p:spPr/>
+        <p:txBody>
+          <a:bodyPr/>
+          <a:lstStyle/>
+          <a:p>
+            <a:r>
+              <a:rPr lang="en-US" dirty="0" smtClean="0"/>
+              <a:t>RK4 design</a:t>
+            </a:r>
+          </a:p>
+          <a:p>
+            <a:pPr lvl="1"/>
             <a:r>
               <a:rPr lang="en-US" dirty="0" err="1" smtClean="0"/>
-              <a:t>Keeneland</a:t>
-            </a:r>
-            <a:r>
-              <a:rPr lang="en-US" dirty="0" smtClean="0"/>
-              <a:t>)</a:t>
-            </a:r>
-            <a:endParaRPr lang="en-US" dirty="0"/>
-          </a:p>
-        </p:txBody>
-      </p:sp>
-      <p:sp>
-        <p:nvSpPr>
-          <p:cNvPr id="3" name="Content Placeholder 2"/>
-          <p:cNvSpPr>
-            <a:spLocks noGrp="1"/>
-          </p:cNvSpPr>
-          <p:nvPr>
-            <p:ph idx="1"/>
-          </p:nvPr>
-        </p:nvSpPr>
-        <p:spPr/>
-        <p:txBody>
-          <a:bodyPr/>
-          <a:lstStyle/>
-          <a:p>
+              <a:t>Eval</a:t>
+            </a:r>
+            <a:r>
+              <a:rPr lang="en-US" dirty="0" smtClean="0"/>
+              <a:t> + Advance</a:t>
+            </a:r>
+          </a:p>
+          <a:p>
+            <a:pPr lvl="1"/>
+            <a:r>
+              <a:rPr lang="en-US" dirty="0" smtClean="0"/>
+              <a:t>Input to each kernel</a:t>
+            </a:r>
             <a:endParaRPr lang="en-US" dirty="0"/>
           </a:p>
         </p:txBody>
@@ -5557,7 +5581,7 @@
     </p:spTree>
     <p:extLst>
       <p:ext uri="{BB962C8B-B14F-4D97-AF65-F5344CB8AC3E}">
-        <p14:creationId xmlns:p14="http://schemas.microsoft.com/office/powerpoint/2010/main" val="1166022547"/>
+        <p14:creationId xmlns:p14="http://schemas.microsoft.com/office/powerpoint/2010/main" val="1006359212"/>
       </p:ext>
     </p:extLst>
   </p:cSld>
@@ -5608,7 +5632,15 @@
           <a:p>
             <a:r>
               <a:rPr lang="en-US" dirty="0" smtClean="0"/>
-              <a:t>Cosine Bell Performance</a:t>
+              <a:t>Vortex Performance (</a:t>
+            </a:r>
+            <a:r>
+              <a:rPr lang="en-US" dirty="0" err="1" smtClean="0"/>
+              <a:t>Keeneland</a:t>
+            </a:r>
+            <a:r>
+              <a:rPr lang="en-US" dirty="0" smtClean="0"/>
+              <a:t>)</a:t>
             </a:r>
             <a:endParaRPr lang="en-US" dirty="0"/>
           </a:p>
@@ -5629,18 +5661,6 @@
           <a:bodyPr/>
           <a:lstStyle/>
           <a:p>
-            <a:r>
-              <a:rPr lang="en-US" dirty="0" smtClean="0"/>
-              <a:t>Adds one </a:t>
-            </a:r>
-            <a:r>
-              <a:rPr lang="en-US" dirty="0" err="1" smtClean="0"/>
-              <a:t>SpMV</a:t>
-            </a:r>
-            <a:r>
-              <a:rPr lang="en-US" dirty="0" smtClean="0"/>
-              <a:t> operation, but does not double performance. Question is why?</a:t>
-            </a:r>
             <a:endParaRPr lang="en-US" dirty="0"/>
           </a:p>
         </p:txBody>
@@ -5648,7 +5668,7 @@
     </p:spTree>
     <p:extLst>
       <p:ext uri="{BB962C8B-B14F-4D97-AF65-F5344CB8AC3E}">
-        <p14:creationId xmlns:p14="http://schemas.microsoft.com/office/powerpoint/2010/main" val="48492090"/>
+        <p14:creationId xmlns:p14="http://schemas.microsoft.com/office/powerpoint/2010/main" val="1166022547"/>
       </p:ext>
     </p:extLst>
   </p:cSld>
@@ -5699,7 +5719,7 @@
           <a:p>
             <a:r>
               <a:rPr lang="en-US" dirty="0" smtClean="0"/>
-              <a:t>Roofline Model</a:t>
+              <a:t>Cosine Bell Performance</a:t>
             </a:r>
             <a:endParaRPr lang="en-US" dirty="0"/>
           </a:p>
@@ -5722,17 +5742,15 @@
           <a:p>
             <a:r>
               <a:rPr lang="en-US" dirty="0" smtClean="0"/>
-              <a:t>The roofline model predicts MAXIMUM possible performance based on the operational intensity</a:t>
-            </a:r>
-          </a:p>
-          <a:p>
+              <a:t>Adds one </a:t>
+            </a:r>
             <a:r>
               <a:rPr lang="en-US" dirty="0" err="1" smtClean="0"/>
               <a:t>SpMV</a:t>
             </a:r>
             <a:r>
               <a:rPr lang="en-US" dirty="0" smtClean="0"/>
-              <a:t> is only OI(1/4)</a:t>
+              <a:t> operation, but does not double performance. Question is why?</a:t>
             </a:r>
             <a:endParaRPr lang="en-US" dirty="0"/>
           </a:p>
@@ -5741,7 +5759,7 @@
     </p:spTree>
     <p:extLst>
       <p:ext uri="{BB962C8B-B14F-4D97-AF65-F5344CB8AC3E}">
-        <p14:creationId xmlns:p14="http://schemas.microsoft.com/office/powerpoint/2010/main" val="1782464361"/>
+        <p14:creationId xmlns:p14="http://schemas.microsoft.com/office/powerpoint/2010/main" val="48492090"/>
       </p:ext>
     </p:extLst>
   </p:cSld>
@@ -5791,10 +5809,10 @@
           <a:lstStyle/>
           <a:p>
             <a:r>
-              <a:rPr lang="en-US" sz="4000" dirty="0" smtClean="0"/>
-              <a:t>How do we improve Memory-Bound Applications?</a:t>
-            </a:r>
-            <a:endParaRPr lang="en-US" sz="4000" dirty="0"/>
+              <a:rPr lang="en-US" dirty="0" smtClean="0"/>
+              <a:t>Roofline Model</a:t>
+            </a:r>
+            <a:endParaRPr lang="en-US" dirty="0"/>
           </a:p>
         </p:txBody>
       </p:sp>
@@ -5815,71 +5833,26 @@
           <a:p>
             <a:r>
               <a:rPr lang="en-US" dirty="0" smtClean="0"/>
-              <a:t>More memory compression</a:t>
-            </a:r>
-          </a:p>
-          <a:p>
-            <a:pPr lvl="1"/>
-            <a:r>
-              <a:rPr lang="en-US" dirty="0" smtClean="0"/>
-              <a:t>ELL format</a:t>
-            </a:r>
-          </a:p>
-          <a:p>
-            <a:pPr lvl="1"/>
-            <a:r>
-              <a:rPr lang="en-US" dirty="0" smtClean="0"/>
-              <a:t>BELL, SELL, SBELL</a:t>
-            </a:r>
-          </a:p>
-          <a:p>
-            <a:r>
-              <a:rPr lang="en-US" dirty="0" smtClean="0"/>
-              <a:t>Fewer memory loads</a:t>
-            </a:r>
-          </a:p>
-          <a:p>
-            <a:pPr lvl="1"/>
-            <a:r>
-              <a:rPr lang="en-US" dirty="0" smtClean="0"/>
-              <a:t>Ordering</a:t>
-            </a:r>
-          </a:p>
-          <a:p>
-            <a:pPr lvl="1"/>
-            <a:r>
-              <a:rPr lang="en-US" dirty="0" smtClean="0"/>
-              <a:t>Register packing (non-zero condensation)</a:t>
-            </a:r>
-          </a:p>
-          <a:p>
-            <a:r>
-              <a:rPr lang="en-US" dirty="0" smtClean="0"/>
-              <a:t>More operations (cite </a:t>
-            </a:r>
+              <a:t>The roofline model predicts MAXIMUM possible performance based on the operational intensity</a:t>
+            </a:r>
+          </a:p>
+          <a:p>
             <a:r>
               <a:rPr lang="en-US" dirty="0" err="1" smtClean="0"/>
-              <a:t>Erlebacher</a:t>
-            </a:r>
-            <a:r>
-              <a:rPr lang="en-US" dirty="0" smtClean="0"/>
-              <a:t>, </a:t>
-            </a:r>
-            <a:r>
-              <a:rPr lang="en-US" dirty="0" err="1" smtClean="0"/>
-              <a:t>Saule</a:t>
-            </a:r>
-            <a:r>
-              <a:rPr lang="en-US" dirty="0" smtClean="0"/>
-              <a:t>, Flyer, Bollig)</a:t>
-            </a:r>
+              <a:t>SpMV</a:t>
+            </a:r>
+            <a:r>
+              <a:rPr lang="en-US" dirty="0" smtClean="0"/>
+              <a:t> is only OI(1/4)</a:t>
+            </a:r>
+            <a:endParaRPr lang="en-US" dirty="0"/>
           </a:p>
         </p:txBody>
       </p:sp>
     </p:spTree>
     <p:extLst>
       <p:ext uri="{BB962C8B-B14F-4D97-AF65-F5344CB8AC3E}">
-        <p14:creationId xmlns:p14="http://schemas.microsoft.com/office/powerpoint/2010/main" val="788417831"/>
+        <p14:creationId xmlns:p14="http://schemas.microsoft.com/office/powerpoint/2010/main" val="1782464361"/>
       </p:ext>
     </p:extLst>
   </p:cSld>
@@ -5929,10 +5902,10 @@
           <a:lstStyle/>
           <a:p>
             <a:r>
-              <a:rPr lang="en-US" dirty="0" smtClean="0"/>
-              <a:t>Memory Compression (Format Comparison)</a:t>
-            </a:r>
-            <a:endParaRPr lang="en-US" dirty="0"/>
+              <a:rPr lang="en-US" sz="4000" dirty="0" smtClean="0"/>
+              <a:t>How do we improve Memory-Bound Applications?</a:t>
+            </a:r>
+            <a:endParaRPr lang="en-US" sz="4000" dirty="0"/>
           </a:p>
         </p:txBody>
       </p:sp>
@@ -5953,26 +5926,71 @@
           <a:p>
             <a:r>
               <a:rPr lang="en-US" dirty="0" smtClean="0"/>
-              <a:t>Figure comparing formats</a:t>
-            </a:r>
-          </a:p>
-          <a:p>
-            <a:r>
-              <a:rPr lang="en-US" dirty="0" smtClean="0"/>
-              <a:t>Give expressions for the number of </a:t>
+              <a:t>More memory compression</a:t>
+            </a:r>
+          </a:p>
+          <a:p>
+            <a:pPr lvl="1"/>
+            <a:r>
+              <a:rPr lang="en-US" dirty="0" smtClean="0"/>
+              <a:t>ELL format</a:t>
+            </a:r>
+          </a:p>
+          <a:p>
+            <a:pPr lvl="1"/>
+            <a:r>
+              <a:rPr lang="en-US" dirty="0" smtClean="0"/>
+              <a:t>BELL, SELL, SBELL</a:t>
+            </a:r>
+          </a:p>
+          <a:p>
+            <a:r>
+              <a:rPr lang="en-US" dirty="0" smtClean="0"/>
+              <a:t>Fewer memory loads</a:t>
+            </a:r>
+          </a:p>
+          <a:p>
+            <a:pPr lvl="1"/>
+            <a:r>
+              <a:rPr lang="en-US" dirty="0" smtClean="0"/>
+              <a:t>Ordering</a:t>
+            </a:r>
+          </a:p>
+          <a:p>
+            <a:pPr lvl="1"/>
+            <a:r>
+              <a:rPr lang="en-US" dirty="0" smtClean="0"/>
+              <a:t>Register packing (non-zero condensation)</a:t>
+            </a:r>
+          </a:p>
+          <a:p>
+            <a:r>
+              <a:rPr lang="en-US" dirty="0" smtClean="0"/>
+              <a:t>More operations (cite </a:t>
             </a:r>
             <a:r>
               <a:rPr lang="en-US" dirty="0" err="1" smtClean="0"/>
-              <a:t>memloads</a:t>
-            </a:r>
-            <a:endParaRPr lang="en-US" dirty="0"/>
+              <a:t>Erlebacher</a:t>
+            </a:r>
+            <a:r>
+              <a:rPr lang="en-US" dirty="0" smtClean="0"/>
+              <a:t>, </a:t>
+            </a:r>
+            <a:r>
+              <a:rPr lang="en-US" dirty="0" err="1" smtClean="0"/>
+              <a:t>Saule</a:t>
+            </a:r>
+            <a:r>
+              <a:rPr lang="en-US" dirty="0" smtClean="0"/>
+              <a:t>, Flyer, Bollig)</a:t>
+            </a:r>
           </a:p>
         </p:txBody>
       </p:sp>
     </p:spTree>
     <p:extLst>
       <p:ext uri="{BB962C8B-B14F-4D97-AF65-F5344CB8AC3E}">
-        <p14:creationId xmlns:p14="http://schemas.microsoft.com/office/powerpoint/2010/main" val="252968444"/>
+        <p14:creationId xmlns:p14="http://schemas.microsoft.com/office/powerpoint/2010/main" val="788417831"/>
       </p:ext>
     </p:extLst>
   </p:cSld>
@@ -6186,7 +6204,7 @@
           <a:p>
             <a:r>
               <a:rPr lang="en-US" dirty="0" smtClean="0"/>
-              <a:t>Performance Comparison</a:t>
+              <a:t>Memory Compression (Format Comparison)</a:t>
             </a:r>
             <a:endParaRPr lang="en-US" dirty="0"/>
           </a:p>
@@ -6209,35 +6227,26 @@
           <a:p>
             <a:r>
               <a:rPr lang="en-US" dirty="0" smtClean="0"/>
-              <a:t>N=50 format comparison figure</a:t>
-            </a:r>
-          </a:p>
-          <a:p>
-            <a:r>
-              <a:rPr lang="en-US" dirty="0" smtClean="0"/>
-              <a:t>ELL comparison figure</a:t>
-            </a:r>
-          </a:p>
-          <a:p>
-            <a:r>
-              <a:rPr lang="en-US" dirty="0" smtClean="0"/>
-              <a:t>Any data to compare to in related work (Rupp?, </a:t>
+              <a:t>Figure comparing formats</a:t>
+            </a:r>
+          </a:p>
+          <a:p>
+            <a:r>
+              <a:rPr lang="en-US" dirty="0" smtClean="0"/>
+              <a:t>Give expressions for the number of </a:t>
             </a:r>
             <a:r>
               <a:rPr lang="en-US" dirty="0" err="1" smtClean="0"/>
-              <a:t>clSpMV</a:t>
-            </a:r>
-            <a:r>
-              <a:rPr lang="en-US" dirty="0" smtClean="0"/>
-              <a:t>)</a:t>
-            </a:r>
+              <a:t>memloads</a:t>
+            </a:r>
+            <a:endParaRPr lang="en-US" dirty="0"/>
           </a:p>
         </p:txBody>
       </p:sp>
     </p:spTree>
     <p:extLst>
       <p:ext uri="{BB962C8B-B14F-4D97-AF65-F5344CB8AC3E}">
-        <p14:creationId xmlns:p14="http://schemas.microsoft.com/office/powerpoint/2010/main" val="2798173793"/>
+        <p14:creationId xmlns:p14="http://schemas.microsoft.com/office/powerpoint/2010/main" val="252968444"/>
       </p:ext>
     </p:extLst>
   </p:cSld>
@@ -6288,7 +6297,7 @@
           <a:p>
             <a:r>
               <a:rPr lang="en-US" dirty="0" smtClean="0"/>
-              <a:t>Future Improvements for Single GPU</a:t>
+              <a:t>Performance Comparison</a:t>
             </a:r>
             <a:endParaRPr lang="en-US" dirty="0"/>
           </a:p>
@@ -6309,36 +6318,37 @@
           <a:bodyPr/>
           <a:lstStyle/>
           <a:p>
+            <a:r>
+              <a:rPr lang="en-US" dirty="0" smtClean="0"/>
+              <a:t>N=50 format comparison figure</a:t>
+            </a:r>
+          </a:p>
+          <a:p>
+            <a:r>
+              <a:rPr lang="en-US" dirty="0" smtClean="0"/>
+              <a:t>ELL comparison figure</a:t>
+            </a:r>
+          </a:p>
+          <a:p>
+            <a:r>
+              <a:rPr lang="en-US" dirty="0" smtClean="0"/>
+              <a:t>Any data to compare to in related work (Rupp?, </a:t>
+            </a:r>
             <a:r>
               <a:rPr lang="en-US" dirty="0" err="1" smtClean="0"/>
               <a:t>clSpMV</a:t>
             </a:r>
             <a:r>
               <a:rPr lang="en-US" dirty="0" smtClean="0"/>
-              <a:t> formats show potential to get 50+GFLOPs when running in single precision</a:t>
-            </a:r>
-          </a:p>
-          <a:p>
-            <a:r>
-              <a:rPr lang="en-US" dirty="0" smtClean="0">
-                <a:solidFill>
-                  <a:srgbClr val="FF0000"/>
-                </a:solidFill>
-              </a:rPr>
-              <a:t>What is the translation to double precision (FERMI and K20)</a:t>
-            </a:r>
-            <a:endParaRPr lang="en-US" dirty="0">
-              <a:solidFill>
-                <a:srgbClr val="FF0000"/>
-              </a:solidFill>
-            </a:endParaRPr>
+              <a:t>)</a:t>
+            </a:r>
           </a:p>
         </p:txBody>
       </p:sp>
     </p:spTree>
     <p:extLst>
       <p:ext uri="{BB962C8B-B14F-4D97-AF65-F5344CB8AC3E}">
-        <p14:creationId xmlns:p14="http://schemas.microsoft.com/office/powerpoint/2010/main" val="807571415"/>
+        <p14:creationId xmlns:p14="http://schemas.microsoft.com/office/powerpoint/2010/main" val="2798173793"/>
       </p:ext>
     </p:extLst>
   </p:cSld>
@@ -6387,7 +6397,11 @@
           <a:bodyPr/>
           <a:lstStyle/>
           <a:p>
-            <a:endParaRPr lang="en-US"/>
+            <a:r>
+              <a:rPr lang="en-US" dirty="0" smtClean="0"/>
+              <a:t>Future Improvements for Single GPU</a:t>
+            </a:r>
+            <a:endParaRPr lang="en-US" dirty="0"/>
           </a:p>
         </p:txBody>
       </p:sp>
@@ -6406,14 +6420,36 @@
           <a:bodyPr/>
           <a:lstStyle/>
           <a:p>
-            <a:endParaRPr lang="en-US"/>
+            <a:r>
+              <a:rPr lang="en-US" dirty="0" err="1" smtClean="0"/>
+              <a:t>clSpMV</a:t>
+            </a:r>
+            <a:r>
+              <a:rPr lang="en-US" dirty="0" smtClean="0"/>
+              <a:t> formats show potential to get 50+GFLOPs when running in single precision</a:t>
+            </a:r>
+          </a:p>
+          <a:p>
+            <a:r>
+              <a:rPr lang="en-US" dirty="0" smtClean="0">
+                <a:solidFill>
+                  <a:srgbClr val="FF0000"/>
+                </a:solidFill>
+              </a:rPr>
+              <a:t>What is the translation to double precision (FERMI and K20)</a:t>
+            </a:r>
+            <a:endParaRPr lang="en-US" dirty="0">
+              <a:solidFill>
+                <a:srgbClr val="FF0000"/>
+              </a:solidFill>
+            </a:endParaRPr>
           </a:p>
         </p:txBody>
       </p:sp>
     </p:spTree>
     <p:extLst>
       <p:ext uri="{BB962C8B-B14F-4D97-AF65-F5344CB8AC3E}">
-        <p14:creationId xmlns:p14="http://schemas.microsoft.com/office/powerpoint/2010/main" val="3667032603"/>
+        <p14:creationId xmlns:p14="http://schemas.microsoft.com/office/powerpoint/2010/main" val="807571415"/>
       </p:ext>
     </p:extLst>
   </p:cSld>
@@ -6462,11 +6498,7 @@
           <a:bodyPr/>
           <a:lstStyle/>
           <a:p>
-            <a:r>
-              <a:rPr lang="en-US" dirty="0" smtClean="0"/>
-              <a:t>Performance Portability? Intel Phi</a:t>
-            </a:r>
-            <a:endParaRPr lang="en-US" dirty="0"/>
+            <a:endParaRPr lang="en-US"/>
           </a:p>
         </p:txBody>
       </p:sp>
@@ -6485,32 +6517,14 @@
           <a:bodyPr/>
           <a:lstStyle/>
           <a:p>
-            <a:r>
-              <a:rPr lang="en-US" dirty="0" smtClean="0"/>
-              <a:t>High level </a:t>
-            </a:r>
-            <a:r>
-              <a:rPr lang="en-US" dirty="0" err="1" smtClean="0"/>
-              <a:t>intel</a:t>
-            </a:r>
-            <a:r>
-              <a:rPr lang="en-US" dirty="0" smtClean="0"/>
-              <a:t> phi architecture diagram</a:t>
-            </a:r>
-          </a:p>
-          <a:p>
-            <a:r>
-              <a:rPr lang="en-US" dirty="0" smtClean="0"/>
-              <a:t>Achieved</a:t>
-            </a:r>
-            <a:endParaRPr lang="en-US" dirty="0"/>
+            <a:endParaRPr lang="en-US"/>
           </a:p>
         </p:txBody>
       </p:sp>
     </p:spTree>
     <p:extLst>
       <p:ext uri="{BB962C8B-B14F-4D97-AF65-F5344CB8AC3E}">
-        <p14:creationId xmlns:p14="http://schemas.microsoft.com/office/powerpoint/2010/main" val="2601878776"/>
+        <p14:creationId xmlns:p14="http://schemas.microsoft.com/office/powerpoint/2010/main" val="3667032603"/>
       </p:ext>
     </p:extLst>
   </p:cSld>
@@ -6561,7 +6575,7 @@
           <a:p>
             <a:r>
               <a:rPr lang="en-US" dirty="0" smtClean="0"/>
-              <a:t>Intel Phi Comparison</a:t>
+              <a:t>Performance Portability? Intel Phi</a:t>
             </a:r>
             <a:endParaRPr lang="en-US" dirty="0"/>
           </a:p>
@@ -6584,7 +6598,21 @@
           <a:p>
             <a:r>
               <a:rPr lang="en-US" dirty="0" smtClean="0"/>
-              <a:t>Achieved GFLOP/sec on Intel Phi</a:t>
+              <a:t>High level </a:t>
+            </a:r>
+            <a:r>
+              <a:rPr lang="en-US" dirty="0" err="1" smtClean="0"/>
+              <a:t>intel</a:t>
+            </a:r>
+            <a:r>
+              <a:rPr lang="en-US" dirty="0" smtClean="0"/>
+              <a:t> phi architecture diagram</a:t>
+            </a:r>
+          </a:p>
+          <a:p>
+            <a:r>
+              <a:rPr lang="en-US" dirty="0" smtClean="0"/>
+              <a:t>Achieved</a:t>
             </a:r>
             <a:endParaRPr lang="en-US" dirty="0"/>
           </a:p>
@@ -6593,7 +6621,7 @@
     </p:spTree>
     <p:extLst>
       <p:ext uri="{BB962C8B-B14F-4D97-AF65-F5344CB8AC3E}">
-        <p14:creationId xmlns:p14="http://schemas.microsoft.com/office/powerpoint/2010/main" val="2150663504"/>
+        <p14:creationId xmlns:p14="http://schemas.microsoft.com/office/powerpoint/2010/main" val="2601878776"/>
       </p:ext>
     </p:extLst>
   </p:cSld>
@@ -6644,7 +6672,7 @@
           <a:p>
             <a:r>
               <a:rPr lang="en-US" dirty="0" smtClean="0"/>
-              <a:t>Performance Expectations for the GPU</a:t>
+              <a:t>Intel Phi Comparison</a:t>
             </a:r>
             <a:endParaRPr lang="en-US" dirty="0"/>
           </a:p>
@@ -6665,6 +6693,10 @@
           <a:bodyPr/>
           <a:lstStyle/>
           <a:p>
+            <a:r>
+              <a:rPr lang="en-US" dirty="0" smtClean="0"/>
+              <a:t>Achieved GFLOP/sec on Intel Phi</a:t>
+            </a:r>
             <a:endParaRPr lang="en-US" dirty="0"/>
           </a:p>
         </p:txBody>
@@ -6672,7 +6704,7 @@
     </p:spTree>
     <p:extLst>
       <p:ext uri="{BB962C8B-B14F-4D97-AF65-F5344CB8AC3E}">
-        <p14:creationId xmlns:p14="http://schemas.microsoft.com/office/powerpoint/2010/main" val="3850556518"/>
+        <p14:creationId xmlns:p14="http://schemas.microsoft.com/office/powerpoint/2010/main" val="2150663504"/>
       </p:ext>
     </p:extLst>
   </p:cSld>
@@ -6723,7 +6755,7 @@
           <a:p>
             <a:r>
               <a:rPr lang="en-US" dirty="0" smtClean="0"/>
-              <a:t>Achieved Performance</a:t>
+              <a:t>Performance Expectations for the GPU</a:t>
             </a:r>
             <a:endParaRPr lang="en-US" dirty="0"/>
           </a:p>
@@ -6744,10 +6776,6 @@
           <a:bodyPr/>
           <a:lstStyle/>
           <a:p>
-            <a:r>
-              <a:rPr lang="en-US" dirty="0" smtClean="0"/>
-              <a:t>Cosine Bell and Vortex Roll-up</a:t>
-            </a:r>
             <a:endParaRPr lang="en-US" dirty="0"/>
           </a:p>
         </p:txBody>
@@ -6755,7 +6783,7 @@
     </p:spTree>
     <p:extLst>
       <p:ext uri="{BB962C8B-B14F-4D97-AF65-F5344CB8AC3E}">
-        <p14:creationId xmlns:p14="http://schemas.microsoft.com/office/powerpoint/2010/main" val="415301425"/>
+        <p14:creationId xmlns:p14="http://schemas.microsoft.com/office/powerpoint/2010/main" val="3850556518"/>
       </p:ext>
     </p:extLst>
   </p:cSld>
@@ -6805,12 +6833,8 @@
           <a:lstStyle/>
           <a:p>
             <a:r>
-              <a:rPr lang="en-US" dirty="0" err="1" smtClean="0"/>
-              <a:t>SpMV</a:t>
-            </a:r>
-            <a:r>
-              <a:rPr lang="en-US" dirty="0" smtClean="0"/>
-              <a:t> Optimizations</a:t>
+              <a:rPr lang="en-US" dirty="0" smtClean="0"/>
+              <a:t>Achieved Performance</a:t>
             </a:r>
             <a:endParaRPr lang="en-US" dirty="0"/>
           </a:p>
@@ -6833,7 +6857,7 @@
           <a:p>
             <a:r>
               <a:rPr lang="en-US" dirty="0" smtClean="0"/>
-              <a:t>VCL Data</a:t>
+              <a:t>Cosine Bell and Vortex Roll-up</a:t>
             </a:r>
             <a:endParaRPr lang="en-US" dirty="0"/>
           </a:p>
@@ -6842,7 +6866,7 @@
     </p:spTree>
     <p:extLst>
       <p:ext uri="{BB962C8B-B14F-4D97-AF65-F5344CB8AC3E}">
-        <p14:creationId xmlns:p14="http://schemas.microsoft.com/office/powerpoint/2010/main" val="2310538984"/>
+        <p14:creationId xmlns:p14="http://schemas.microsoft.com/office/powerpoint/2010/main" val="415301425"/>
       </p:ext>
     </p:extLst>
   </p:cSld>
@@ -6892,8 +6916,12 @@
           <a:lstStyle/>
           <a:p>
             <a:r>
-              <a:rPr lang="en-US" dirty="0" smtClean="0"/>
-              <a:t>Decomposition</a:t>
+              <a:rPr lang="en-US" dirty="0" err="1" smtClean="0"/>
+              <a:t>SpMV</a:t>
+            </a:r>
+            <a:r>
+              <a:rPr lang="en-US" dirty="0" smtClean="0"/>
+              <a:t> Optimizations</a:t>
             </a:r>
             <a:endParaRPr lang="en-US" dirty="0"/>
           </a:p>
@@ -6916,7 +6944,7 @@
           <a:p>
             <a:r>
               <a:rPr lang="en-US" dirty="0" smtClean="0"/>
-              <a:t>RAS</a:t>
+              <a:t>VCL Data</a:t>
             </a:r>
             <a:endParaRPr lang="en-US" dirty="0"/>
           </a:p>
@@ -6925,7 +6953,7 @@
     </p:spTree>
     <p:extLst>
       <p:ext uri="{BB962C8B-B14F-4D97-AF65-F5344CB8AC3E}">
-        <p14:creationId xmlns:p14="http://schemas.microsoft.com/office/powerpoint/2010/main" val="3537767015"/>
+        <p14:creationId xmlns:p14="http://schemas.microsoft.com/office/powerpoint/2010/main" val="2310538984"/>
       </p:ext>
     </p:extLst>
   </p:cSld>
@@ -6976,7 +7004,7 @@
           <a:p>
             <a:r>
               <a:rPr lang="en-US" dirty="0" smtClean="0"/>
-              <a:t>Index Sets and Ordering</a:t>
+              <a:t>Decomposition</a:t>
             </a:r>
             <a:endParaRPr lang="en-US" dirty="0"/>
           </a:p>
@@ -6997,14 +7025,18 @@
           <a:bodyPr/>
           <a:lstStyle/>
           <a:p>
-            <a:endParaRPr lang="en-US"/>
+            <a:r>
+              <a:rPr lang="en-US" dirty="0" smtClean="0"/>
+              <a:t>RAS</a:t>
+            </a:r>
+            <a:endParaRPr lang="en-US" dirty="0"/>
           </a:p>
         </p:txBody>
       </p:sp>
     </p:spTree>
     <p:extLst>
       <p:ext uri="{BB962C8B-B14F-4D97-AF65-F5344CB8AC3E}">
-        <p14:creationId xmlns:p14="http://schemas.microsoft.com/office/powerpoint/2010/main" val="220064124"/>
+        <p14:creationId xmlns:p14="http://schemas.microsoft.com/office/powerpoint/2010/main" val="3537767015"/>
       </p:ext>
     </p:extLst>
   </p:cSld>
@@ -7055,7 +7087,7 @@
           <a:p>
             <a:r>
               <a:rPr lang="en-US" dirty="0" smtClean="0"/>
-              <a:t>Why GPUs?</a:t>
+              <a:t>Acknowledgements</a:t>
             </a:r>
             <a:endParaRPr lang="en-US" dirty="0"/>
           </a:p>
@@ -7078,35 +7110,115 @@
           <a:p>
             <a:r>
               <a:rPr lang="en-US" dirty="0" smtClean="0"/>
-              <a:t>What benefit? What expectations from industry?</a:t>
-            </a:r>
-          </a:p>
-          <a:p>
-            <a:r>
-              <a:rPr lang="en-US" dirty="0" smtClean="0"/>
-              <a:t>Massive parallelism</a:t>
-            </a:r>
-          </a:p>
-          <a:p>
-            <a:r>
-              <a:rPr lang="en-US" dirty="0" smtClean="0"/>
-              <a:t>High speed memory</a:t>
-            </a:r>
-          </a:p>
-          <a:p>
-            <a:r>
-              <a:rPr lang="en-US" dirty="0" smtClean="0"/>
-              <a:t>High GFLOP/sec</a:t>
-            </a:r>
-          </a:p>
-          <a:p>
+              <a:t>This work is supported in part by NSF </a:t>
+            </a:r>
+            <a:r>
+              <a:rPr lang="en-US" dirty="0"/>
+              <a:t>awards </a:t>
+            </a:r>
+            <a:r>
+              <a:rPr lang="en-US" b="1" dirty="0"/>
+              <a:t>DMS</a:t>
+            </a:r>
+            <a:r>
+              <a:rPr lang="en-US" b="1" dirty="0" smtClean="0"/>
+              <a:t>-#</a:t>
+            </a:r>
+            <a:r>
+              <a:rPr lang="en-US" b="1" dirty="0"/>
+              <a:t>0934331</a:t>
+            </a:r>
+            <a:r>
+              <a:rPr lang="en-US" dirty="0"/>
+              <a:t> (FSU), </a:t>
+            </a:r>
+            <a:r>
+              <a:rPr lang="en-US" b="1" dirty="0" smtClean="0"/>
+              <a:t>DMS-#0934317 </a:t>
+            </a:r>
+            <a:r>
+              <a:rPr lang="en-US" dirty="0" smtClean="0"/>
+              <a:t>(</a:t>
+            </a:r>
+            <a:r>
+              <a:rPr lang="en-US" dirty="0"/>
+              <a:t>NCAR) and </a:t>
+            </a:r>
+            <a:r>
+              <a:rPr lang="en-US" b="1" dirty="0"/>
+              <a:t>ATM</a:t>
+            </a:r>
+            <a:r>
+              <a:rPr lang="en-US" b="1" dirty="0" smtClean="0"/>
+              <a:t>-#</a:t>
+            </a:r>
+            <a:r>
+              <a:rPr lang="en-US" b="1" dirty="0"/>
+              <a:t>0602100</a:t>
+            </a:r>
+            <a:r>
+              <a:rPr lang="en-US" dirty="0"/>
+              <a:t> (NCAR</a:t>
+            </a:r>
+            <a:r>
+              <a:rPr lang="en-US" dirty="0" smtClean="0"/>
+              <a:t>)</a:t>
+            </a:r>
+          </a:p>
+          <a:p>
+            <a:r>
+              <a:rPr lang="en-US" dirty="0" smtClean="0"/>
+              <a:t>Computational </a:t>
+            </a:r>
+            <a:r>
+              <a:rPr lang="en-US" dirty="0"/>
+              <a:t>r</a:t>
+            </a:r>
+            <a:r>
+              <a:rPr lang="en-US" dirty="0" smtClean="0"/>
+              <a:t>esources provided by:</a:t>
+            </a:r>
+          </a:p>
+          <a:p>
+            <a:pPr lvl="1"/>
+            <a:r>
+              <a:rPr lang="en-US" dirty="0" smtClean="0"/>
+              <a:t>University </a:t>
+            </a:r>
+            <a:r>
+              <a:rPr lang="en-US" dirty="0"/>
+              <a:t>of Minnesota Supercomputing </a:t>
+            </a:r>
+            <a:r>
+              <a:rPr lang="en-US" dirty="0" smtClean="0"/>
+              <a:t>Institute</a:t>
+            </a:r>
+          </a:p>
+          <a:p>
+            <a:pPr lvl="1"/>
             <a:r>
               <a:rPr lang="en-US" dirty="0" err="1" smtClean="0"/>
-              <a:t>Nvidia</a:t>
-            </a:r>
-            <a:r>
-              <a:rPr lang="en-US" dirty="0" smtClean="0"/>
-              <a:t> Figure comparing to CPU</a:t>
+              <a:t>Keeneland</a:t>
+            </a:r>
+            <a:r>
+              <a:rPr lang="en-US" dirty="0" smtClean="0"/>
+              <a:t> </a:t>
+            </a:r>
+            <a:r>
+              <a:rPr lang="en-US" dirty="0"/>
+              <a:t>Computing Facility at the Georgia Institute of </a:t>
+            </a:r>
+            <a:r>
+              <a:rPr lang="en-US" dirty="0" smtClean="0"/>
+              <a:t>Technology (</a:t>
+            </a:r>
+            <a:r>
+              <a:rPr lang="en-US" b="1" dirty="0" smtClean="0"/>
+              <a:t>NSF Contract OCI-0910735</a:t>
+            </a:r>
+            <a:r>
+              <a:rPr lang="en-US" dirty="0" smtClean="0"/>
+              <a:t>)</a:t>
             </a:r>
             <a:endParaRPr lang="en-US" dirty="0"/>
           </a:p>
@@ -7115,20 +7227,13 @@
     </p:spTree>
     <p:extLst>
       <p:ext uri="{BB962C8B-B14F-4D97-AF65-F5344CB8AC3E}">
-        <p14:creationId xmlns:p14="http://schemas.microsoft.com/office/powerpoint/2010/main" val="4218577140"/>
+        <p14:creationId xmlns:p14="http://schemas.microsoft.com/office/powerpoint/2010/main" val="2282904765"/>
       </p:ext>
     </p:extLst>
   </p:cSld>
   <p:clrMapOvr>
     <a:masterClrMapping/>
   </p:clrMapOvr>
-  <p:timing>
-    <p:tnLst>
-      <p:par>
-        <p:cTn xmlns:p14="http://schemas.microsoft.com/office/powerpoint/2010/main" id="1" dur="indefinite" restart="never" nodeType="tmRoot"/>
-      </p:par>
-    </p:tnLst>
-  </p:timing>
 </p:sld>
 </file>
 
@@ -7166,7 +7271,7 @@
           <a:p>
             <a:r>
               <a:rPr lang="en-US" dirty="0" smtClean="0"/>
-              <a:t>Overlap</a:t>
+              <a:t>Index Sets and Ordering</a:t>
             </a:r>
             <a:endParaRPr lang="en-US" dirty="0"/>
           </a:p>
@@ -7194,7 +7299,7 @@
     </p:spTree>
     <p:extLst>
       <p:ext uri="{BB962C8B-B14F-4D97-AF65-F5344CB8AC3E}">
-        <p14:creationId xmlns:p14="http://schemas.microsoft.com/office/powerpoint/2010/main" val="138966585"/>
+        <p14:creationId xmlns:p14="http://schemas.microsoft.com/office/powerpoint/2010/main" val="220064124"/>
       </p:ext>
     </p:extLst>
   </p:cSld>
@@ -7245,7 +7350,7 @@
           <a:p>
             <a:r>
               <a:rPr lang="en-US" dirty="0" smtClean="0"/>
-              <a:t>Limitations of I/O Hubs</a:t>
+              <a:t>Overlap</a:t>
             </a:r>
             <a:endParaRPr lang="en-US" dirty="0"/>
           </a:p>
@@ -7266,14 +7371,14 @@
           <a:bodyPr/>
           <a:lstStyle/>
           <a:p>
-            <a:endParaRPr lang="en-US" dirty="0"/>
+            <a:endParaRPr lang="en-US"/>
           </a:p>
         </p:txBody>
       </p:sp>
     </p:spTree>
     <p:extLst>
       <p:ext uri="{BB962C8B-B14F-4D97-AF65-F5344CB8AC3E}">
-        <p14:creationId xmlns:p14="http://schemas.microsoft.com/office/powerpoint/2010/main" val="1068909804"/>
+        <p14:creationId xmlns:p14="http://schemas.microsoft.com/office/powerpoint/2010/main" val="138966585"/>
       </p:ext>
     </p:extLst>
   </p:cSld>
@@ -7324,7 +7429,7 @@
           <a:p>
             <a:r>
               <a:rPr lang="en-US" dirty="0" smtClean="0"/>
-              <a:t>Achieved GFLOP/sec</a:t>
+              <a:t>Limitations of I/O Hubs</a:t>
             </a:r>
             <a:endParaRPr lang="en-US" dirty="0"/>
           </a:p>
@@ -7345,14 +7450,14 @@
           <a:bodyPr/>
           <a:lstStyle/>
           <a:p>
-            <a:endParaRPr lang="en-US"/>
+            <a:endParaRPr lang="en-US" dirty="0"/>
           </a:p>
         </p:txBody>
       </p:sp>
     </p:spTree>
     <p:extLst>
       <p:ext uri="{BB962C8B-B14F-4D97-AF65-F5344CB8AC3E}">
-        <p14:creationId xmlns:p14="http://schemas.microsoft.com/office/powerpoint/2010/main" val="3690074069"/>
+        <p14:creationId xmlns:p14="http://schemas.microsoft.com/office/powerpoint/2010/main" val="1068909804"/>
       </p:ext>
     </p:extLst>
   </p:cSld>
@@ -7403,7 +7508,7 @@
           <a:p>
             <a:r>
               <a:rPr lang="en-US" dirty="0" smtClean="0"/>
-              <a:t>Conclusions</a:t>
+              <a:t>Achieved GFLOP/sec</a:t>
             </a:r>
             <a:endParaRPr lang="en-US" dirty="0"/>
           </a:p>
@@ -7424,14 +7529,14 @@
           <a:bodyPr/>
           <a:lstStyle/>
           <a:p>
-            <a:endParaRPr lang="en-US" dirty="0"/>
+            <a:endParaRPr lang="en-US"/>
           </a:p>
         </p:txBody>
       </p:sp>
     </p:spTree>
     <p:extLst>
       <p:ext uri="{BB962C8B-B14F-4D97-AF65-F5344CB8AC3E}">
-        <p14:creationId xmlns:p14="http://schemas.microsoft.com/office/powerpoint/2010/main" val="236493998"/>
+        <p14:creationId xmlns:p14="http://schemas.microsoft.com/office/powerpoint/2010/main" val="3690074069"/>
       </p:ext>
     </p:extLst>
   </p:cSld>
@@ -7482,6 +7587,85 @@
           <a:p>
             <a:r>
               <a:rPr lang="en-US" dirty="0" smtClean="0"/>
+              <a:t>Conclusions</a:t>
+            </a:r>
+            <a:endParaRPr lang="en-US" dirty="0"/>
+          </a:p>
+        </p:txBody>
+      </p:sp>
+      <p:sp>
+        <p:nvSpPr>
+          <p:cNvPr id="3" name="Content Placeholder 2"/>
+          <p:cNvSpPr>
+            <a:spLocks noGrp="1"/>
+          </p:cNvSpPr>
+          <p:nvPr>
+            <p:ph idx="1"/>
+          </p:nvPr>
+        </p:nvSpPr>
+        <p:spPr/>
+        <p:txBody>
+          <a:bodyPr/>
+          <a:lstStyle/>
+          <a:p>
+            <a:endParaRPr lang="en-US" dirty="0"/>
+          </a:p>
+        </p:txBody>
+      </p:sp>
+    </p:spTree>
+    <p:extLst>
+      <p:ext uri="{BB962C8B-B14F-4D97-AF65-F5344CB8AC3E}">
+        <p14:creationId xmlns:p14="http://schemas.microsoft.com/office/powerpoint/2010/main" val="236493998"/>
+      </p:ext>
+    </p:extLst>
+  </p:cSld>
+  <p:clrMapOvr>
+    <a:masterClrMapping/>
+  </p:clrMapOvr>
+  <p:timing>
+    <p:tnLst>
+      <p:par>
+        <p:cTn xmlns:p14="http://schemas.microsoft.com/office/powerpoint/2010/main" id="1" dur="indefinite" restart="never" nodeType="tmRoot"/>
+      </p:par>
+    </p:tnLst>
+  </p:timing>
+</p:sld>
+</file>
+
+<file path=ppt/slides/slide45.xml><?xml version="1.0" encoding="utf-8"?>
+<p:sld xmlns:a="http://schemas.openxmlformats.org/drawingml/2006/main" xmlns:r="http://schemas.openxmlformats.org/officeDocument/2006/relationships" xmlns:p="http://schemas.openxmlformats.org/presentationml/2006/main">
+  <p:cSld>
+    <p:spTree>
+      <p:nvGrpSpPr>
+        <p:cNvPr id="1" name=""/>
+        <p:cNvGrpSpPr/>
+        <p:nvPr/>
+      </p:nvGrpSpPr>
+      <p:grpSpPr>
+        <a:xfrm>
+          <a:off x="0" y="0"/>
+          <a:ext cx="0" cy="0"/>
+          <a:chOff x="0" y="0"/>
+          <a:chExt cx="0" cy="0"/>
+        </a:xfrm>
+      </p:grpSpPr>
+      <p:sp>
+        <p:nvSpPr>
+          <p:cNvPr id="2" name="Title 1"/>
+          <p:cNvSpPr>
+            <a:spLocks noGrp="1"/>
+          </p:cNvSpPr>
+          <p:nvPr>
+            <p:ph type="title"/>
+          </p:nvPr>
+        </p:nvSpPr>
+        <p:spPr/>
+        <p:txBody>
+          <a:bodyPr/>
+          <a:lstStyle/>
+          <a:p>
+            <a:r>
+              <a:rPr lang="en-US" dirty="0" smtClean="0"/>
               <a:t>Acknowledgments</a:t>
             </a:r>
             <a:endParaRPr lang="en-US" dirty="0"/>
@@ -7520,7 +7704,7 @@
 </p:sld>
 </file>
 
-<file path=ppt/slides/slide45.xml><?xml version="1.0" encoding="utf-8"?>
+<file path=ppt/slides/slide46.xml><?xml version="1.0" encoding="utf-8"?>
 <p:sld xmlns:a="http://schemas.openxmlformats.org/drawingml/2006/main" xmlns:r="http://schemas.openxmlformats.org/officeDocument/2006/relationships" xmlns:p="http://schemas.openxmlformats.org/presentationml/2006/main">
   <p:cSld>
     <p:spTree>
@@ -7630,15 +7814,7 @@
           <a:p>
             <a:r>
               <a:rPr lang="en-US" dirty="0" smtClean="0"/>
-              <a:t>GFLOP/s and </a:t>
-            </a:r>
-            <a:r>
-              <a:rPr lang="en-US" dirty="0" err="1" smtClean="0"/>
-              <a:t>Gbytes</a:t>
-            </a:r>
-            <a:r>
-              <a:rPr lang="en-US" dirty="0" smtClean="0"/>
-              <a:t>/s Growth</a:t>
+              <a:t>Why GPUs?</a:t>
             </a:r>
             <a:endParaRPr lang="en-US" dirty="0"/>
           </a:p>
@@ -7658,6 +7834,30 @@
         <p:txBody>
           <a:bodyPr/>
           <a:lstStyle/>
+          <a:p>
+            <a:r>
+              <a:rPr lang="en-US" dirty="0" smtClean="0"/>
+              <a:t>What benefit? What expectations from industry?</a:t>
+            </a:r>
+          </a:p>
+          <a:p>
+            <a:r>
+              <a:rPr lang="en-US" dirty="0" smtClean="0"/>
+              <a:t>Massive parallelism</a:t>
+            </a:r>
+          </a:p>
+          <a:p>
+            <a:r>
+              <a:rPr lang="en-US" dirty="0" smtClean="0"/>
+              <a:t>High speed memory</a:t>
+            </a:r>
+          </a:p>
+          <a:p>
+            <a:r>
+              <a:rPr lang="en-US" dirty="0" smtClean="0"/>
+              <a:t>High GFLOP/sec</a:t>
+            </a:r>
+          </a:p>
           <a:p>
             <a:r>
               <a:rPr lang="en-US" dirty="0" err="1" smtClean="0"/>
@@ -7665,7 +7865,7 @@
             </a:r>
             <a:r>
               <a:rPr lang="en-US" dirty="0" smtClean="0"/>
-              <a:t> figures</a:t>
+              <a:t> Figure comparing to CPU</a:t>
             </a:r>
             <a:endParaRPr lang="en-US" dirty="0"/>
           </a:p>
@@ -7674,7 +7874,7 @@
     </p:spTree>
     <p:extLst>
       <p:ext uri="{BB962C8B-B14F-4D97-AF65-F5344CB8AC3E}">
-        <p14:creationId xmlns:p14="http://schemas.microsoft.com/office/powerpoint/2010/main" val="1606755971"/>
+        <p14:creationId xmlns:p14="http://schemas.microsoft.com/office/powerpoint/2010/main" val="4218577140"/>
       </p:ext>
     </p:extLst>
   </p:cSld>
@@ -7725,7 +7925,15 @@
           <a:p>
             <a:r>
               <a:rPr lang="en-US" dirty="0" smtClean="0"/>
-              <a:t>How GPUs?</a:t>
+              <a:t>GFLOP/s and </a:t>
+            </a:r>
+            <a:r>
+              <a:rPr lang="en-US" dirty="0" err="1" smtClean="0"/>
+              <a:t>Gbytes</a:t>
+            </a:r>
+            <a:r>
+              <a:rPr lang="en-US" dirty="0" smtClean="0"/>
+              <a:t>/s Growth</a:t>
             </a:r>
             <a:endParaRPr lang="en-US" dirty="0"/>
           </a:p>
@@ -7747,8 +7955,12 @@
           <a:lstStyle/>
           <a:p>
             <a:r>
-              <a:rPr lang="en-US" dirty="0" smtClean="0"/>
-              <a:t>Common problems</a:t>
+              <a:rPr lang="en-US" dirty="0" err="1" smtClean="0"/>
+              <a:t>Nvidia</a:t>
+            </a:r>
+            <a:r>
+              <a:rPr lang="en-US" dirty="0" smtClean="0"/>
+              <a:t> figures</a:t>
             </a:r>
             <a:endParaRPr lang="en-US" dirty="0"/>
           </a:p>
@@ -7757,7 +7969,7 @@
     </p:spTree>
     <p:extLst>
       <p:ext uri="{BB962C8B-B14F-4D97-AF65-F5344CB8AC3E}">
-        <p14:creationId xmlns:p14="http://schemas.microsoft.com/office/powerpoint/2010/main" val="1708534203"/>
+        <p14:creationId xmlns:p14="http://schemas.microsoft.com/office/powerpoint/2010/main" val="1606755971"/>
       </p:ext>
     </p:extLst>
   </p:cSld>
@@ -7808,7 +8020,7 @@
           <a:p>
             <a:r>
               <a:rPr lang="en-US" dirty="0" smtClean="0"/>
-              <a:t>GPU Cluster</a:t>
+              <a:t>How GPUs?</a:t>
             </a:r>
             <a:endParaRPr lang="en-US" dirty="0"/>
           </a:p>
@@ -7831,20 +8043,7 @@
           <a:p>
             <a:r>
               <a:rPr lang="en-US" dirty="0" smtClean="0"/>
-              <a:t>Cascade</a:t>
-            </a:r>
-          </a:p>
-          <a:p>
-            <a:r>
-              <a:rPr lang="en-US" dirty="0" err="1" smtClean="0"/>
-              <a:t>Keeneland</a:t>
-            </a:r>
-            <a:endParaRPr lang="en-US" dirty="0" smtClean="0"/>
-          </a:p>
-          <a:p>
-            <a:r>
-              <a:rPr lang="en-US" dirty="0" smtClean="0"/>
-              <a:t>(Spear)</a:t>
+              <a:t>Common problems</a:t>
             </a:r>
             <a:endParaRPr lang="en-US" dirty="0"/>
           </a:p>
@@ -7853,7 +8052,7 @@
     </p:spTree>
     <p:extLst>
       <p:ext uri="{BB962C8B-B14F-4D97-AF65-F5344CB8AC3E}">
-        <p14:creationId xmlns:p14="http://schemas.microsoft.com/office/powerpoint/2010/main" val="3254310695"/>
+        <p14:creationId xmlns:p14="http://schemas.microsoft.com/office/powerpoint/2010/main" val="1708534203"/>
       </p:ext>
     </p:extLst>
   </p:cSld>
@@ -7904,7 +8103,7 @@
           <a:p>
             <a:r>
               <a:rPr lang="en-US" dirty="0" smtClean="0"/>
-              <a:t>Modeling</a:t>
+              <a:t>GPU Cluster</a:t>
             </a:r>
             <a:endParaRPr lang="en-US" dirty="0"/>
           </a:p>
@@ -7927,31 +8126,21 @@
           <a:p>
             <a:r>
               <a:rPr lang="en-US" dirty="0" smtClean="0"/>
-              <a:t>Assumptions</a:t>
-            </a:r>
-          </a:p>
-          <a:p>
-            <a:r>
-              <a:rPr lang="en-US" dirty="0" smtClean="0"/>
-              <a:t>Limitations in </a:t>
-            </a:r>
-          </a:p>
-          <a:p>
-            <a:pPr lvl="1"/>
-            <a:r>
-              <a:rPr lang="en-US" dirty="0" smtClean="0"/>
-              <a:t>Discretization</a:t>
-            </a:r>
-          </a:p>
-          <a:p>
-            <a:pPr lvl="1"/>
-            <a:r>
-              <a:rPr lang="en-US" dirty="0" smtClean="0"/>
-              <a:t>Pole singularities</a:t>
-            </a:r>
-          </a:p>
-          <a:p>
-            <a:pPr lvl="1"/>
+              <a:t>Cascade</a:t>
+            </a:r>
+          </a:p>
+          <a:p>
+            <a:r>
+              <a:rPr lang="en-US" dirty="0" err="1" smtClean="0"/>
+              <a:t>Keeneland</a:t>
+            </a:r>
+            <a:endParaRPr lang="en-US" dirty="0" smtClean="0"/>
+          </a:p>
+          <a:p>
+            <a:r>
+              <a:rPr lang="en-US" dirty="0" smtClean="0"/>
+              <a:t>(Spear)</a:t>
+            </a:r>
             <a:endParaRPr lang="en-US" dirty="0"/>
           </a:p>
         </p:txBody>
@@ -7959,7 +8148,7 @@
     </p:spTree>
     <p:extLst>
       <p:ext uri="{BB962C8B-B14F-4D97-AF65-F5344CB8AC3E}">
-        <p14:creationId xmlns:p14="http://schemas.microsoft.com/office/powerpoint/2010/main" val="3730930881"/>
+        <p14:creationId xmlns:p14="http://schemas.microsoft.com/office/powerpoint/2010/main" val="3254310695"/>
       </p:ext>
     </p:extLst>
   </p:cSld>
@@ -8010,7 +8199,7 @@
           <a:p>
             <a:r>
               <a:rPr lang="en-US" dirty="0" smtClean="0"/>
-              <a:t>Why RBFs? </a:t>
+              <a:t>Modeling</a:t>
             </a:r>
             <a:endParaRPr lang="en-US" dirty="0"/>
           </a:p>
@@ -8031,14 +8220,41 @@
           <a:bodyPr/>
           <a:lstStyle/>
           <a:p>
-            <a:endParaRPr lang="en-US"/>
+            <a:r>
+              <a:rPr lang="en-US" dirty="0" smtClean="0"/>
+              <a:t>Assumptions</a:t>
+            </a:r>
+          </a:p>
+          <a:p>
+            <a:r>
+              <a:rPr lang="en-US" dirty="0" smtClean="0"/>
+              <a:t>Limitations in </a:t>
+            </a:r>
+          </a:p>
+          <a:p>
+            <a:pPr lvl="1"/>
+            <a:r>
+              <a:rPr lang="en-US" dirty="0" smtClean="0"/>
+              <a:t>Discretization</a:t>
+            </a:r>
+          </a:p>
+          <a:p>
+            <a:pPr lvl="1"/>
+            <a:r>
+              <a:rPr lang="en-US" dirty="0" smtClean="0"/>
+              <a:t>Pole singularities</a:t>
+            </a:r>
+          </a:p>
+          <a:p>
+            <a:pPr lvl="1"/>
+            <a:endParaRPr lang="en-US" dirty="0"/>
           </a:p>
         </p:txBody>
       </p:sp>
     </p:spTree>
     <p:extLst>
       <p:ext uri="{BB962C8B-B14F-4D97-AF65-F5344CB8AC3E}">
-        <p14:creationId xmlns:p14="http://schemas.microsoft.com/office/powerpoint/2010/main" val="340594369"/>
+        <p14:creationId xmlns:p14="http://schemas.microsoft.com/office/powerpoint/2010/main" val="3730930881"/>
       </p:ext>
     </p:extLst>
   </p:cSld>
